--- a/Presentation/midterm.pptx
+++ b/Presentation/midterm.pptx
@@ -5,10 +5,10 @@
     <p:sldMasterId id="2147483728" r:id="rId2"/>
   </p:sldMasterIdLst>
   <p:notesMasterIdLst>
-    <p:notesMasterId r:id="rId11"/>
+    <p:notesMasterId r:id="rId20"/>
   </p:notesMasterIdLst>
   <p:handoutMasterIdLst>
-    <p:handoutMasterId r:id="rId12"/>
+    <p:handoutMasterId r:id="rId21"/>
   </p:handoutMasterIdLst>
   <p:sldIdLst>
     <p:sldId id="257" r:id="rId3"/>
@@ -18,7 +18,16 @@
     <p:sldId id="268" r:id="rId7"/>
     <p:sldId id="269" r:id="rId8"/>
     <p:sldId id="270" r:id="rId9"/>
-    <p:sldId id="265" r:id="rId10"/>
+    <p:sldId id="280" r:id="rId10"/>
+    <p:sldId id="271" r:id="rId11"/>
+    <p:sldId id="272" r:id="rId12"/>
+    <p:sldId id="273" r:id="rId13"/>
+    <p:sldId id="274" r:id="rId14"/>
+    <p:sldId id="275" r:id="rId15"/>
+    <p:sldId id="277" r:id="rId16"/>
+    <p:sldId id="278" r:id="rId17"/>
+    <p:sldId id="279" r:id="rId18"/>
+    <p:sldId id="265" r:id="rId19"/>
   </p:sldIdLst>
   <p:sldSz cx="12192000" cy="6858000"/>
   <p:notesSz cx="6858000" cy="9144000"/>
@@ -4749,6 +4758,803 @@
 </p:sld>
 </file>
 
+<file path=ppt/slides/slide10.xml><?xml version="1.0" encoding="utf-8"?>
+<p:sld xmlns:a="http://schemas.openxmlformats.org/drawingml/2006/main" xmlns:r="http://schemas.openxmlformats.org/officeDocument/2006/relationships" xmlns:p="http://schemas.openxmlformats.org/presentationml/2006/main">
+  <p:cSld>
+    <p:spTree>
+      <p:nvGrpSpPr>
+        <p:cNvPr id="1" name=""/>
+        <p:cNvGrpSpPr/>
+        <p:nvPr/>
+      </p:nvGrpSpPr>
+      <p:grpSpPr>
+        <a:xfrm>
+          <a:off x="0" y="0"/>
+          <a:ext cx="0" cy="0"/>
+          <a:chOff x="0" y="0"/>
+          <a:chExt cx="0" cy="0"/>
+        </a:xfrm>
+      </p:grpSpPr>
+      <p:sp>
+        <p:nvSpPr>
+          <p:cNvPr id="3" name="Content Placeholder 2">
+            <a:extLst>
+              <a:ext uri="{FF2B5EF4-FFF2-40B4-BE49-F238E27FC236}">
+                <a16:creationId xmlns:a16="http://schemas.microsoft.com/office/drawing/2014/main" id="{9E2B5A80-EA62-E05A-81A9-CF9E4119D82E}"/>
+              </a:ext>
+            </a:extLst>
+          </p:cNvPr>
+          <p:cNvSpPr>
+            <a:spLocks noGrp="1"/>
+          </p:cNvSpPr>
+          <p:nvPr>
+            <p:ph idx="1"/>
+          </p:nvPr>
+        </p:nvSpPr>
+        <p:spPr/>
+        <p:txBody>
+          <a:bodyPr/>
+          <a:lstStyle/>
+          <a:p>
+            <a:r>
+              <a:rPr lang="en-AT" dirty="0"/>
+              <a:t>Tested out zero-shot and few-shot prompting</a:t>
+            </a:r>
+          </a:p>
+          <a:p>
+            <a:r>
+              <a:rPr lang="en-AT" dirty="0"/>
+              <a:t>Assignment Falsely understood</a:t>
+            </a:r>
+          </a:p>
+          <a:p>
+            <a:r>
+              <a:rPr lang="en-AT" dirty="0"/>
+              <a:t>Tried generating output RDF instead of RML</a:t>
+            </a:r>
+          </a:p>
+          <a:p>
+            <a:r>
+              <a:rPr lang="en-AT" dirty="0"/>
+              <a:t>Still great results</a:t>
+            </a:r>
+          </a:p>
+        </p:txBody>
+      </p:sp>
+      <p:sp>
+        <p:nvSpPr>
+          <p:cNvPr id="8" name="Title 7">
+            <a:extLst>
+              <a:ext uri="{FF2B5EF4-FFF2-40B4-BE49-F238E27FC236}">
+                <a16:creationId xmlns:a16="http://schemas.microsoft.com/office/drawing/2014/main" id="{18ACF4FB-8C8C-04FE-48DD-A703BCD30E88}"/>
+              </a:ext>
+            </a:extLst>
+          </p:cNvPr>
+          <p:cNvSpPr>
+            <a:spLocks noGrp="1"/>
+          </p:cNvSpPr>
+          <p:nvPr>
+            <p:ph type="ctrTitle"/>
+          </p:nvPr>
+        </p:nvSpPr>
+        <p:spPr/>
+        <p:txBody>
+          <a:bodyPr/>
+          <a:lstStyle/>
+          <a:p>
+            <a:r>
+              <a:rPr lang="en-AT" dirty="0"/>
+              <a:t>Current Progress</a:t>
+            </a:r>
+          </a:p>
+        </p:txBody>
+      </p:sp>
+    </p:spTree>
+    <p:extLst>
+      <p:ext uri="{BB962C8B-B14F-4D97-AF65-F5344CB8AC3E}">
+        <p14:creationId xmlns:p14="http://schemas.microsoft.com/office/powerpoint/2010/main" val="2789368842"/>
+      </p:ext>
+    </p:extLst>
+  </p:cSld>
+  <p:clrMapOvr>
+    <a:masterClrMapping/>
+  </p:clrMapOvr>
+</p:sld>
+</file>
+
+<file path=ppt/slides/slide11.xml><?xml version="1.0" encoding="utf-8"?>
+<p:sld xmlns:a="http://schemas.openxmlformats.org/drawingml/2006/main" xmlns:r="http://schemas.openxmlformats.org/officeDocument/2006/relationships" xmlns:p="http://schemas.openxmlformats.org/presentationml/2006/main">
+  <p:cSld>
+    <p:spTree>
+      <p:nvGrpSpPr>
+        <p:cNvPr id="1" name=""/>
+        <p:cNvGrpSpPr/>
+        <p:nvPr/>
+      </p:nvGrpSpPr>
+      <p:grpSpPr>
+        <a:xfrm>
+          <a:off x="0" y="0"/>
+          <a:ext cx="0" cy="0"/>
+          <a:chOff x="0" y="0"/>
+          <a:chExt cx="0" cy="0"/>
+        </a:xfrm>
+      </p:grpSpPr>
+      <p:pic>
+        <p:nvPicPr>
+          <p:cNvPr id="2" name="Content Placeholder 1">
+            <a:extLst>
+              <a:ext uri="{FF2B5EF4-FFF2-40B4-BE49-F238E27FC236}">
+                <a16:creationId xmlns:a16="http://schemas.microsoft.com/office/drawing/2014/main" id="{E4D4CD71-2D8C-59D2-BFE8-53762F9A118A}"/>
+              </a:ext>
+            </a:extLst>
+          </p:cNvPr>
+          <p:cNvPicPr>
+            <a:picLocks noGrp="1" noChangeAspect="1"/>
+          </p:cNvPicPr>
+          <p:nvPr>
+            <p:ph idx="1"/>
+          </p:nvPr>
+        </p:nvPicPr>
+        <p:blipFill>
+          <a:blip r:embed="rId2"/>
+          <a:stretch>
+            <a:fillRect/>
+          </a:stretch>
+        </p:blipFill>
+        <p:spPr>
+          <a:xfrm>
+            <a:off x="1782763" y="1738312"/>
+            <a:ext cx="8826500" cy="3530600"/>
+          </a:xfrm>
+          <a:prstGeom prst="rect">
+            <a:avLst/>
+          </a:prstGeom>
+        </p:spPr>
+      </p:pic>
+      <p:sp>
+        <p:nvSpPr>
+          <p:cNvPr id="8" name="Title 7">
+            <a:extLst>
+              <a:ext uri="{FF2B5EF4-FFF2-40B4-BE49-F238E27FC236}">
+                <a16:creationId xmlns:a16="http://schemas.microsoft.com/office/drawing/2014/main" id="{18ACF4FB-8C8C-04FE-48DD-A703BCD30E88}"/>
+              </a:ext>
+            </a:extLst>
+          </p:cNvPr>
+          <p:cNvSpPr>
+            <a:spLocks noGrp="1"/>
+          </p:cNvSpPr>
+          <p:nvPr>
+            <p:ph type="ctrTitle"/>
+          </p:nvPr>
+        </p:nvSpPr>
+        <p:spPr/>
+        <p:txBody>
+          <a:bodyPr/>
+          <a:lstStyle/>
+          <a:p>
+            <a:r>
+              <a:rPr lang="en-AT" dirty="0"/>
+              <a:t>Current Progress</a:t>
+            </a:r>
+          </a:p>
+        </p:txBody>
+      </p:sp>
+    </p:spTree>
+    <p:extLst>
+      <p:ext uri="{BB962C8B-B14F-4D97-AF65-F5344CB8AC3E}">
+        <p14:creationId xmlns:p14="http://schemas.microsoft.com/office/powerpoint/2010/main" val="3399358413"/>
+      </p:ext>
+    </p:extLst>
+  </p:cSld>
+  <p:clrMapOvr>
+    <a:masterClrMapping/>
+  </p:clrMapOvr>
+</p:sld>
+</file>
+
+<file path=ppt/slides/slide12.xml><?xml version="1.0" encoding="utf-8"?>
+<p:sld xmlns:a="http://schemas.openxmlformats.org/drawingml/2006/main" xmlns:r="http://schemas.openxmlformats.org/officeDocument/2006/relationships" xmlns:p="http://schemas.openxmlformats.org/presentationml/2006/main">
+  <p:cSld>
+    <p:spTree>
+      <p:nvGrpSpPr>
+        <p:cNvPr id="1" name=""/>
+        <p:cNvGrpSpPr/>
+        <p:nvPr/>
+      </p:nvGrpSpPr>
+      <p:grpSpPr>
+        <a:xfrm>
+          <a:off x="0" y="0"/>
+          <a:ext cx="0" cy="0"/>
+          <a:chOff x="0" y="0"/>
+          <a:chExt cx="0" cy="0"/>
+        </a:xfrm>
+      </p:grpSpPr>
+      <p:sp>
+        <p:nvSpPr>
+          <p:cNvPr id="8" name="Title 7">
+            <a:extLst>
+              <a:ext uri="{FF2B5EF4-FFF2-40B4-BE49-F238E27FC236}">
+                <a16:creationId xmlns:a16="http://schemas.microsoft.com/office/drawing/2014/main" id="{18ACF4FB-8C8C-04FE-48DD-A703BCD30E88}"/>
+              </a:ext>
+            </a:extLst>
+          </p:cNvPr>
+          <p:cNvSpPr>
+            <a:spLocks noGrp="1"/>
+          </p:cNvSpPr>
+          <p:nvPr>
+            <p:ph type="ctrTitle"/>
+          </p:nvPr>
+        </p:nvSpPr>
+        <p:spPr/>
+        <p:txBody>
+          <a:bodyPr/>
+          <a:lstStyle/>
+          <a:p>
+            <a:r>
+              <a:rPr lang="en-AT" dirty="0"/>
+              <a:t>Current Progress</a:t>
+            </a:r>
+          </a:p>
+        </p:txBody>
+      </p:sp>
+      <p:pic>
+        <p:nvPicPr>
+          <p:cNvPr id="5" name="Content Placeholder 4">
+            <a:extLst>
+              <a:ext uri="{FF2B5EF4-FFF2-40B4-BE49-F238E27FC236}">
+                <a16:creationId xmlns:a16="http://schemas.microsoft.com/office/drawing/2014/main" id="{568613D2-2F16-DE99-EA5F-0DE141376951}"/>
+              </a:ext>
+            </a:extLst>
+          </p:cNvPr>
+          <p:cNvPicPr>
+            <a:picLocks noGrp="1" noChangeAspect="1"/>
+          </p:cNvPicPr>
+          <p:nvPr>
+            <p:ph idx="1"/>
+          </p:nvPr>
+        </p:nvPicPr>
+        <p:blipFill>
+          <a:blip r:embed="rId2"/>
+          <a:stretch>
+            <a:fillRect/>
+          </a:stretch>
+        </p:blipFill>
+        <p:spPr>
+          <a:xfrm>
+            <a:off x="3203996" y="1130300"/>
+            <a:ext cx="5984034" cy="4746625"/>
+          </a:xfrm>
+          <a:prstGeom prst="rect">
+            <a:avLst/>
+          </a:prstGeom>
+        </p:spPr>
+      </p:pic>
+    </p:spTree>
+    <p:extLst>
+      <p:ext uri="{BB962C8B-B14F-4D97-AF65-F5344CB8AC3E}">
+        <p14:creationId xmlns:p14="http://schemas.microsoft.com/office/powerpoint/2010/main" val="2646099649"/>
+      </p:ext>
+    </p:extLst>
+  </p:cSld>
+  <p:clrMapOvr>
+    <a:masterClrMapping/>
+  </p:clrMapOvr>
+</p:sld>
+</file>
+
+<file path=ppt/slides/slide13.xml><?xml version="1.0" encoding="utf-8"?>
+<p:sld xmlns:a="http://schemas.openxmlformats.org/drawingml/2006/main" xmlns:r="http://schemas.openxmlformats.org/officeDocument/2006/relationships" xmlns:p="http://schemas.openxmlformats.org/presentationml/2006/main">
+  <p:cSld>
+    <p:spTree>
+      <p:nvGrpSpPr>
+        <p:cNvPr id="1" name=""/>
+        <p:cNvGrpSpPr/>
+        <p:nvPr/>
+      </p:nvGrpSpPr>
+      <p:grpSpPr>
+        <a:xfrm>
+          <a:off x="0" y="0"/>
+          <a:ext cx="0" cy="0"/>
+          <a:chOff x="0" y="0"/>
+          <a:chExt cx="0" cy="0"/>
+        </a:xfrm>
+      </p:grpSpPr>
+      <p:sp>
+        <p:nvSpPr>
+          <p:cNvPr id="8" name="Title 7">
+            <a:extLst>
+              <a:ext uri="{FF2B5EF4-FFF2-40B4-BE49-F238E27FC236}">
+                <a16:creationId xmlns:a16="http://schemas.microsoft.com/office/drawing/2014/main" id="{18ACF4FB-8C8C-04FE-48DD-A703BCD30E88}"/>
+              </a:ext>
+            </a:extLst>
+          </p:cNvPr>
+          <p:cNvSpPr>
+            <a:spLocks noGrp="1"/>
+          </p:cNvSpPr>
+          <p:nvPr>
+            <p:ph type="ctrTitle"/>
+          </p:nvPr>
+        </p:nvSpPr>
+        <p:spPr/>
+        <p:txBody>
+          <a:bodyPr/>
+          <a:lstStyle/>
+          <a:p>
+            <a:r>
+              <a:rPr lang="en-AT" dirty="0"/>
+              <a:t>Current Progress</a:t>
+            </a:r>
+          </a:p>
+        </p:txBody>
+      </p:sp>
+      <p:pic>
+        <p:nvPicPr>
+          <p:cNvPr id="4" name="Content Placeholder 3">
+            <a:extLst>
+              <a:ext uri="{FF2B5EF4-FFF2-40B4-BE49-F238E27FC236}">
+                <a16:creationId xmlns:a16="http://schemas.microsoft.com/office/drawing/2014/main" id="{7E7A7F6A-2E49-C6A8-6591-016F840DFE5F}"/>
+              </a:ext>
+            </a:extLst>
+          </p:cNvPr>
+          <p:cNvPicPr>
+            <a:picLocks noGrp="1" noChangeAspect="1"/>
+          </p:cNvPicPr>
+          <p:nvPr>
+            <p:ph idx="1"/>
+          </p:nvPr>
+        </p:nvPicPr>
+        <p:blipFill>
+          <a:blip r:embed="rId2"/>
+          <a:stretch>
+            <a:fillRect/>
+          </a:stretch>
+        </p:blipFill>
+        <p:spPr>
+          <a:xfrm>
+            <a:off x="4193953" y="122237"/>
+            <a:ext cx="4104920" cy="5121987"/>
+          </a:xfrm>
+          <a:prstGeom prst="rect">
+            <a:avLst/>
+          </a:prstGeom>
+        </p:spPr>
+      </p:pic>
+      <p:pic>
+        <p:nvPicPr>
+          <p:cNvPr id="6" name="Picture 5">
+            <a:extLst>
+              <a:ext uri="{FF2B5EF4-FFF2-40B4-BE49-F238E27FC236}">
+                <a16:creationId xmlns:a16="http://schemas.microsoft.com/office/drawing/2014/main" id="{48A67208-FF4C-9336-E794-053D036D4205}"/>
+              </a:ext>
+            </a:extLst>
+          </p:cNvPr>
+          <p:cNvPicPr>
+            <a:picLocks noChangeAspect="1"/>
+          </p:cNvPicPr>
+          <p:nvPr/>
+        </p:nvPicPr>
+        <p:blipFill>
+          <a:blip r:embed="rId3"/>
+          <a:stretch>
+            <a:fillRect/>
+          </a:stretch>
+        </p:blipFill>
+        <p:spPr>
+          <a:xfrm>
+            <a:off x="4341091" y="5105716"/>
+            <a:ext cx="4104920" cy="1371416"/>
+          </a:xfrm>
+          <a:prstGeom prst="rect">
+            <a:avLst/>
+          </a:prstGeom>
+        </p:spPr>
+      </p:pic>
+    </p:spTree>
+    <p:extLst>
+      <p:ext uri="{BB962C8B-B14F-4D97-AF65-F5344CB8AC3E}">
+        <p14:creationId xmlns:p14="http://schemas.microsoft.com/office/powerpoint/2010/main" val="3061828820"/>
+      </p:ext>
+    </p:extLst>
+  </p:cSld>
+  <p:clrMapOvr>
+    <a:masterClrMapping/>
+  </p:clrMapOvr>
+</p:sld>
+</file>
+
+<file path=ppt/slides/slide14.xml><?xml version="1.0" encoding="utf-8"?>
+<p:sld xmlns:a="http://schemas.openxmlformats.org/drawingml/2006/main" xmlns:r="http://schemas.openxmlformats.org/officeDocument/2006/relationships" xmlns:p="http://schemas.openxmlformats.org/presentationml/2006/main">
+  <p:cSld>
+    <p:spTree>
+      <p:nvGrpSpPr>
+        <p:cNvPr id="1" name=""/>
+        <p:cNvGrpSpPr/>
+        <p:nvPr/>
+      </p:nvGrpSpPr>
+      <p:grpSpPr>
+        <a:xfrm>
+          <a:off x="0" y="0"/>
+          <a:ext cx="0" cy="0"/>
+          <a:chOff x="0" y="0"/>
+          <a:chExt cx="0" cy="0"/>
+        </a:xfrm>
+      </p:grpSpPr>
+      <p:sp>
+        <p:nvSpPr>
+          <p:cNvPr id="8" name="Title 7">
+            <a:extLst>
+              <a:ext uri="{FF2B5EF4-FFF2-40B4-BE49-F238E27FC236}">
+                <a16:creationId xmlns:a16="http://schemas.microsoft.com/office/drawing/2014/main" id="{18ACF4FB-8C8C-04FE-48DD-A703BCD30E88}"/>
+              </a:ext>
+            </a:extLst>
+          </p:cNvPr>
+          <p:cNvSpPr>
+            <a:spLocks noGrp="1"/>
+          </p:cNvSpPr>
+          <p:nvPr>
+            <p:ph type="ctrTitle"/>
+          </p:nvPr>
+        </p:nvSpPr>
+        <p:spPr/>
+        <p:txBody>
+          <a:bodyPr/>
+          <a:lstStyle/>
+          <a:p>
+            <a:r>
+              <a:rPr lang="en-AT" dirty="0"/>
+              <a:t>Current Progress</a:t>
+            </a:r>
+          </a:p>
+        </p:txBody>
+      </p:sp>
+      <p:sp>
+        <p:nvSpPr>
+          <p:cNvPr id="5" name="Content Placeholder 4">
+            <a:extLst>
+              <a:ext uri="{FF2B5EF4-FFF2-40B4-BE49-F238E27FC236}">
+                <a16:creationId xmlns:a16="http://schemas.microsoft.com/office/drawing/2014/main" id="{36A4730F-3A2C-64B7-433B-02971947F5C3}"/>
+              </a:ext>
+            </a:extLst>
+          </p:cNvPr>
+          <p:cNvSpPr>
+            <a:spLocks noGrp="1"/>
+          </p:cNvSpPr>
+          <p:nvPr>
+            <p:ph idx="1"/>
+          </p:nvPr>
+        </p:nvSpPr>
+        <p:spPr/>
+        <p:txBody>
+          <a:bodyPr/>
+          <a:lstStyle/>
+          <a:p>
+            <a:r>
+              <a:rPr lang="en-AT" dirty="0"/>
+              <a:t>Generated wrong header!</a:t>
+            </a:r>
+          </a:p>
+          <a:p>
+            <a:r>
+              <a:rPr lang="en-AT" dirty="0"/>
+              <a:t>Tried correcting mistake:</a:t>
+            </a:r>
+          </a:p>
+          <a:p>
+            <a:endParaRPr lang="en-AT" dirty="0"/>
+          </a:p>
+        </p:txBody>
+      </p:sp>
+      <p:pic>
+        <p:nvPicPr>
+          <p:cNvPr id="7" name="Picture 6">
+            <a:extLst>
+              <a:ext uri="{FF2B5EF4-FFF2-40B4-BE49-F238E27FC236}">
+                <a16:creationId xmlns:a16="http://schemas.microsoft.com/office/drawing/2014/main" id="{C23383D1-CAFB-97EA-CA5D-482516A19D4E}"/>
+              </a:ext>
+            </a:extLst>
+          </p:cNvPr>
+          <p:cNvPicPr>
+            <a:picLocks noChangeAspect="1"/>
+          </p:cNvPicPr>
+          <p:nvPr/>
+        </p:nvPicPr>
+        <p:blipFill>
+          <a:blip r:embed="rId2"/>
+          <a:stretch>
+            <a:fillRect/>
+          </a:stretch>
+        </p:blipFill>
+        <p:spPr>
+          <a:xfrm>
+            <a:off x="2209800" y="2455388"/>
+            <a:ext cx="7772400" cy="2529114"/>
+          </a:xfrm>
+          <a:prstGeom prst="rect">
+            <a:avLst/>
+          </a:prstGeom>
+        </p:spPr>
+      </p:pic>
+    </p:spTree>
+    <p:extLst>
+      <p:ext uri="{BB962C8B-B14F-4D97-AF65-F5344CB8AC3E}">
+        <p14:creationId xmlns:p14="http://schemas.microsoft.com/office/powerpoint/2010/main" val="1771827997"/>
+      </p:ext>
+    </p:extLst>
+  </p:cSld>
+  <p:clrMapOvr>
+    <a:masterClrMapping/>
+  </p:clrMapOvr>
+</p:sld>
+</file>
+
+<file path=ppt/slides/slide15.xml><?xml version="1.0" encoding="utf-8"?>
+<p:sld xmlns:a="http://schemas.openxmlformats.org/drawingml/2006/main" xmlns:r="http://schemas.openxmlformats.org/officeDocument/2006/relationships" xmlns:p="http://schemas.openxmlformats.org/presentationml/2006/main">
+  <p:cSld>
+    <p:spTree>
+      <p:nvGrpSpPr>
+        <p:cNvPr id="1" name=""/>
+        <p:cNvGrpSpPr/>
+        <p:nvPr/>
+      </p:nvGrpSpPr>
+      <p:grpSpPr>
+        <a:xfrm>
+          <a:off x="0" y="0"/>
+          <a:ext cx="0" cy="0"/>
+          <a:chOff x="0" y="0"/>
+          <a:chExt cx="0" cy="0"/>
+        </a:xfrm>
+      </p:grpSpPr>
+      <p:sp>
+        <p:nvSpPr>
+          <p:cNvPr id="8" name="Title 7">
+            <a:extLst>
+              <a:ext uri="{FF2B5EF4-FFF2-40B4-BE49-F238E27FC236}">
+                <a16:creationId xmlns:a16="http://schemas.microsoft.com/office/drawing/2014/main" id="{18ACF4FB-8C8C-04FE-48DD-A703BCD30E88}"/>
+              </a:ext>
+            </a:extLst>
+          </p:cNvPr>
+          <p:cNvSpPr>
+            <a:spLocks noGrp="1"/>
+          </p:cNvSpPr>
+          <p:nvPr>
+            <p:ph type="ctrTitle"/>
+          </p:nvPr>
+        </p:nvSpPr>
+        <p:spPr/>
+        <p:txBody>
+          <a:bodyPr/>
+          <a:lstStyle/>
+          <a:p>
+            <a:r>
+              <a:rPr lang="en-AT" dirty="0"/>
+              <a:t>Current Progress</a:t>
+            </a:r>
+          </a:p>
+        </p:txBody>
+      </p:sp>
+      <p:sp>
+        <p:nvSpPr>
+          <p:cNvPr id="5" name="Content Placeholder 4">
+            <a:extLst>
+              <a:ext uri="{FF2B5EF4-FFF2-40B4-BE49-F238E27FC236}">
+                <a16:creationId xmlns:a16="http://schemas.microsoft.com/office/drawing/2014/main" id="{36A4730F-3A2C-64B7-433B-02971947F5C3}"/>
+              </a:ext>
+            </a:extLst>
+          </p:cNvPr>
+          <p:cNvSpPr>
+            <a:spLocks noGrp="1"/>
+          </p:cNvSpPr>
+          <p:nvPr>
+            <p:ph idx="1"/>
+          </p:nvPr>
+        </p:nvSpPr>
+        <p:spPr/>
+        <p:txBody>
+          <a:bodyPr/>
+          <a:lstStyle/>
+          <a:p>
+            <a:r>
+              <a:rPr lang="en-AT" dirty="0"/>
+              <a:t>Now correct output: </a:t>
+            </a:r>
+          </a:p>
+        </p:txBody>
+      </p:sp>
+      <p:pic>
+        <p:nvPicPr>
+          <p:cNvPr id="2" name="Picture 1">
+            <a:extLst>
+              <a:ext uri="{FF2B5EF4-FFF2-40B4-BE49-F238E27FC236}">
+                <a16:creationId xmlns:a16="http://schemas.microsoft.com/office/drawing/2014/main" id="{5EECF8B5-D1FD-7072-131E-69156A5FB225}"/>
+              </a:ext>
+            </a:extLst>
+          </p:cNvPr>
+          <p:cNvPicPr>
+            <a:picLocks noChangeAspect="1"/>
+          </p:cNvPicPr>
+          <p:nvPr/>
+        </p:nvPicPr>
+        <p:blipFill>
+          <a:blip r:embed="rId2"/>
+          <a:stretch>
+            <a:fillRect/>
+          </a:stretch>
+        </p:blipFill>
+        <p:spPr>
+          <a:xfrm>
+            <a:off x="2209800" y="1748995"/>
+            <a:ext cx="7772400" cy="3360009"/>
+          </a:xfrm>
+          <a:prstGeom prst="rect">
+            <a:avLst/>
+          </a:prstGeom>
+        </p:spPr>
+      </p:pic>
+    </p:spTree>
+    <p:extLst>
+      <p:ext uri="{BB962C8B-B14F-4D97-AF65-F5344CB8AC3E}">
+        <p14:creationId xmlns:p14="http://schemas.microsoft.com/office/powerpoint/2010/main" val="2411002380"/>
+      </p:ext>
+    </p:extLst>
+  </p:cSld>
+  <p:clrMapOvr>
+    <a:masterClrMapping/>
+  </p:clrMapOvr>
+</p:sld>
+</file>
+
+<file path=ppt/slides/slide16.xml><?xml version="1.0" encoding="utf-8"?>
+<p:sld xmlns:a="http://schemas.openxmlformats.org/drawingml/2006/main" xmlns:r="http://schemas.openxmlformats.org/officeDocument/2006/relationships" xmlns:p="http://schemas.openxmlformats.org/presentationml/2006/main">
+  <p:cSld>
+    <p:spTree>
+      <p:nvGrpSpPr>
+        <p:cNvPr id="1" name=""/>
+        <p:cNvGrpSpPr/>
+        <p:nvPr/>
+      </p:nvGrpSpPr>
+      <p:grpSpPr>
+        <a:xfrm>
+          <a:off x="0" y="0"/>
+          <a:ext cx="0" cy="0"/>
+          <a:chOff x="0" y="0"/>
+          <a:chExt cx="0" cy="0"/>
+        </a:xfrm>
+      </p:grpSpPr>
+      <p:sp>
+        <p:nvSpPr>
+          <p:cNvPr id="2" name="Content Placeholder 1">
+            <a:extLst>
+              <a:ext uri="{FF2B5EF4-FFF2-40B4-BE49-F238E27FC236}">
+                <a16:creationId xmlns:a16="http://schemas.microsoft.com/office/drawing/2014/main" id="{2278058B-0173-0A62-C21C-B4685C405006}"/>
+              </a:ext>
+            </a:extLst>
+          </p:cNvPr>
+          <p:cNvSpPr>
+            <a:spLocks noGrp="1"/>
+          </p:cNvSpPr>
+          <p:nvPr>
+            <p:ph idx="1"/>
+          </p:nvPr>
+        </p:nvSpPr>
+        <p:spPr/>
+        <p:txBody>
+          <a:bodyPr/>
+          <a:lstStyle/>
+          <a:p>
+            <a:r>
+              <a:rPr lang="en-AT" dirty="0"/>
+              <a:t>Do the same with RML instead of RDF</a:t>
+            </a:r>
+          </a:p>
+          <a:p>
+            <a:r>
+              <a:rPr lang="en-AT" dirty="0"/>
+              <a:t>Refine results even further</a:t>
+            </a:r>
+          </a:p>
+        </p:txBody>
+      </p:sp>
+      <p:sp>
+        <p:nvSpPr>
+          <p:cNvPr id="3" name="Title 2">
+            <a:extLst>
+              <a:ext uri="{FF2B5EF4-FFF2-40B4-BE49-F238E27FC236}">
+                <a16:creationId xmlns:a16="http://schemas.microsoft.com/office/drawing/2014/main" id="{6F942779-595A-7DF7-2F74-BE42722E5F3A}"/>
+              </a:ext>
+            </a:extLst>
+          </p:cNvPr>
+          <p:cNvSpPr>
+            <a:spLocks noGrp="1"/>
+          </p:cNvSpPr>
+          <p:nvPr>
+            <p:ph type="ctrTitle"/>
+          </p:nvPr>
+        </p:nvSpPr>
+        <p:spPr/>
+        <p:txBody>
+          <a:bodyPr/>
+          <a:lstStyle/>
+          <a:p>
+            <a:r>
+              <a:rPr lang="en-AT" dirty="0"/>
+              <a:t>Next Steps</a:t>
+            </a:r>
+          </a:p>
+        </p:txBody>
+      </p:sp>
+    </p:spTree>
+    <p:extLst>
+      <p:ext uri="{BB962C8B-B14F-4D97-AF65-F5344CB8AC3E}">
+        <p14:creationId xmlns:p14="http://schemas.microsoft.com/office/powerpoint/2010/main" val="2766143275"/>
+      </p:ext>
+    </p:extLst>
+  </p:cSld>
+  <p:clrMapOvr>
+    <a:masterClrMapping/>
+  </p:clrMapOvr>
+</p:sld>
+</file>
+
+<file path=ppt/slides/slide17.xml><?xml version="1.0" encoding="utf-8"?>
+<p:sld xmlns:a="http://schemas.openxmlformats.org/drawingml/2006/main" xmlns:r="http://schemas.openxmlformats.org/officeDocument/2006/relationships" xmlns:p="http://schemas.openxmlformats.org/presentationml/2006/main">
+  <p:cSld>
+    <p:spTree>
+      <p:nvGrpSpPr>
+        <p:cNvPr id="1" name=""/>
+        <p:cNvGrpSpPr/>
+        <p:nvPr/>
+      </p:nvGrpSpPr>
+      <p:grpSpPr>
+        <a:xfrm>
+          <a:off x="0" y="0"/>
+          <a:ext cx="0" cy="0"/>
+          <a:chOff x="0" y="0"/>
+          <a:chExt cx="0" cy="0"/>
+        </a:xfrm>
+      </p:grpSpPr>
+      <p:pic>
+        <p:nvPicPr>
+          <p:cNvPr id="3" name="Grafik 2">
+            <a:extLst>
+              <a:ext uri="{FF2B5EF4-FFF2-40B4-BE49-F238E27FC236}">
+                <a16:creationId xmlns:a16="http://schemas.microsoft.com/office/drawing/2014/main" id="{3711D89E-E6C8-955A-36C2-735A5787F660}"/>
+              </a:ext>
+            </a:extLst>
+          </p:cNvPr>
+          <p:cNvPicPr>
+            <a:picLocks noChangeAspect="1"/>
+          </p:cNvPicPr>
+          <p:nvPr/>
+        </p:nvPicPr>
+        <p:blipFill>
+          <a:blip r:embed="rId2"/>
+          <a:stretch>
+            <a:fillRect/>
+          </a:stretch>
+        </p:blipFill>
+        <p:spPr>
+          <a:xfrm>
+            <a:off x="-1" y="0"/>
+            <a:ext cx="12274475" cy="6904392"/>
+          </a:xfrm>
+          <a:prstGeom prst="rect">
+            <a:avLst/>
+          </a:prstGeom>
+        </p:spPr>
+      </p:pic>
+    </p:spTree>
+    <p:extLst>
+      <p:ext uri="{BB962C8B-B14F-4D97-AF65-F5344CB8AC3E}">
+        <p14:creationId xmlns:p14="http://schemas.microsoft.com/office/powerpoint/2010/main" val="3670960750"/>
+      </p:ext>
+    </p:extLst>
+  </p:cSld>
+  <p:clrMapOvr>
+    <a:masterClrMapping/>
+  </p:clrMapOvr>
+</p:sld>
+</file>
+
 <file path=ppt/slides/slide2.xml><?xml version="1.0" encoding="utf-8"?>
 <p:sld xmlns:a="http://schemas.openxmlformats.org/drawingml/2006/main" xmlns:r="http://schemas.openxmlformats.org/officeDocument/2006/relationships" xmlns:p="http://schemas.openxmlformats.org/presentationml/2006/main">
   <p:cSld>
@@ -5803,7 +6609,73 @@
           <a:bodyPr/>
           <a:lstStyle/>
           <a:p>
+            <a:r>
+              <a:rPr lang="en-AT" dirty="0"/>
+              <a:t>Using Conventional ChatGPT 3.5</a:t>
+            </a:r>
+          </a:p>
+          <a:p>
             <a:endParaRPr lang="en-AT" dirty="0"/>
+          </a:p>
+          <a:p>
+            <a:pPr>
+              <a:buFont typeface="Wingdings" pitchFamily="2" charset="2"/>
+              <a:buChar char="Ø"/>
+            </a:pPr>
+            <a:r>
+              <a:rPr lang="en-AT" dirty="0"/>
+              <a:t>Find Dataset (CSV or JSON)</a:t>
+            </a:r>
+          </a:p>
+          <a:p>
+            <a:pPr>
+              <a:buFont typeface="Wingdings" pitchFamily="2" charset="2"/>
+              <a:buChar char="Ø"/>
+            </a:pPr>
+            <a:r>
+              <a:rPr lang="en-AT" dirty="0"/>
+              <a:t>Starting off with simple prompts</a:t>
+            </a:r>
+          </a:p>
+          <a:p>
+            <a:pPr>
+              <a:buFont typeface="Wingdings" pitchFamily="2" charset="2"/>
+              <a:buChar char="Ø"/>
+            </a:pPr>
+            <a:r>
+              <a:rPr lang="en-AT" dirty="0"/>
+              <a:t>More specificity</a:t>
+            </a:r>
+          </a:p>
+          <a:p>
+            <a:pPr>
+              <a:buFont typeface="Wingdings" pitchFamily="2" charset="2"/>
+              <a:buChar char="Ø"/>
+            </a:pPr>
+            <a:r>
+              <a:rPr lang="en-AT" dirty="0"/>
+              <a:t>Refinement</a:t>
+            </a:r>
+          </a:p>
+          <a:p>
+            <a:pPr>
+              <a:buFont typeface="Wingdings" pitchFamily="2" charset="2"/>
+              <a:buChar char="Ø"/>
+            </a:pPr>
+            <a:r>
+              <a:rPr lang="en-AT" dirty="0"/>
+              <a:t>Error identification and correction</a:t>
+            </a:r>
+          </a:p>
+          <a:p>
+            <a:pPr>
+              <a:buFont typeface="Wingdings" pitchFamily="2" charset="2"/>
+              <a:buChar char="Ø"/>
+            </a:pPr>
+            <a:r>
+              <a:rPr lang="en-AT" dirty="0"/>
+              <a:t>Resulting RDF generation</a:t>
+            </a:r>
           </a:p>
         </p:txBody>
       </p:sp>
@@ -5865,12 +6737,220 @@
           <a:chExt cx="0" cy="0"/>
         </a:xfrm>
       </p:grpSpPr>
+      <p:sp>
+        <p:nvSpPr>
+          <p:cNvPr id="2" name="Content Placeholder 1">
+            <a:extLst>
+              <a:ext uri="{FF2B5EF4-FFF2-40B4-BE49-F238E27FC236}">
+                <a16:creationId xmlns:a16="http://schemas.microsoft.com/office/drawing/2014/main" id="{D99862D3-6DB3-9A52-176F-4E2F18EC757D}"/>
+              </a:ext>
+            </a:extLst>
+          </p:cNvPr>
+          <p:cNvSpPr>
+            <a:spLocks noGrp="1"/>
+          </p:cNvSpPr>
+          <p:nvPr>
+            <p:ph sz="half" idx="1"/>
+          </p:nvPr>
+        </p:nvSpPr>
+        <p:spPr/>
+        <p:txBody>
+          <a:bodyPr/>
+          <a:lstStyle/>
+          <a:p>
+            <a:r>
+              <a:rPr lang="en-AT" dirty="0"/>
+              <a:t>Reading through guides about prompt engineering</a:t>
+            </a:r>
+          </a:p>
+          <a:p>
+            <a:r>
+              <a:rPr lang="en-AT" dirty="0"/>
+              <a:t>First some testing on sample Data</a:t>
+            </a:r>
+          </a:p>
+          <a:p>
+            <a:pPr lvl="1">
+              <a:buFont typeface="Wingdings" pitchFamily="2" charset="2"/>
+              <a:buChar char="Ø"/>
+            </a:pPr>
+            <a:r>
+              <a:rPr lang="en-AT" dirty="0"/>
+              <a:t>Goal was to get a feel for prompting</a:t>
+            </a:r>
+          </a:p>
+          <a:p>
+            <a:pPr marL="457189" lvl="1" indent="0">
+              <a:buNone/>
+            </a:pPr>
+            <a:endParaRPr lang="en-AT" dirty="0"/>
+          </a:p>
+          <a:p>
+            <a:r>
+              <a:rPr lang="en-AT" dirty="0"/>
+              <a:t>Zero-shot and One-shot</a:t>
+            </a:r>
+          </a:p>
+          <a:p>
+            <a:pPr marL="0" indent="0">
+              <a:buNone/>
+            </a:pPr>
+            <a:endParaRPr lang="en-AT" dirty="0"/>
+          </a:p>
+        </p:txBody>
+      </p:sp>
+      <p:sp>
+        <p:nvSpPr>
+          <p:cNvPr id="3" name="Content Placeholder 2">
+            <a:extLst>
+              <a:ext uri="{FF2B5EF4-FFF2-40B4-BE49-F238E27FC236}">
+                <a16:creationId xmlns:a16="http://schemas.microsoft.com/office/drawing/2014/main" id="{5B9D9E39-3CB7-CBCB-FFC8-6405ED8008A4}"/>
+              </a:ext>
+            </a:extLst>
+          </p:cNvPr>
+          <p:cNvSpPr>
+            <a:spLocks noGrp="1"/>
+          </p:cNvSpPr>
+          <p:nvPr>
+            <p:ph sz="half" idx="13"/>
+          </p:nvPr>
+        </p:nvSpPr>
+        <p:spPr/>
+        <p:txBody>
+          <a:bodyPr/>
+          <a:lstStyle/>
+          <a:p>
+            <a:endParaRPr lang="en-AT"/>
+          </a:p>
+        </p:txBody>
+      </p:sp>
+      <p:sp>
+        <p:nvSpPr>
+          <p:cNvPr id="4" name="Title 3">
+            <a:extLst>
+              <a:ext uri="{FF2B5EF4-FFF2-40B4-BE49-F238E27FC236}">
+                <a16:creationId xmlns:a16="http://schemas.microsoft.com/office/drawing/2014/main" id="{D3F42D12-F0FB-FE23-3100-8848BCE6C617}"/>
+              </a:ext>
+            </a:extLst>
+          </p:cNvPr>
+          <p:cNvSpPr>
+            <a:spLocks noGrp="1"/>
+          </p:cNvSpPr>
+          <p:nvPr>
+            <p:ph type="ctrTitle"/>
+          </p:nvPr>
+        </p:nvSpPr>
+        <p:spPr/>
+        <p:txBody>
+          <a:bodyPr/>
+          <a:lstStyle/>
+          <a:p>
+            <a:r>
+              <a:rPr lang="en-AT" dirty="0"/>
+              <a:t>Current Progress</a:t>
+            </a:r>
+          </a:p>
+        </p:txBody>
+      </p:sp>
+      <p:sp>
+        <p:nvSpPr>
+          <p:cNvPr id="5" name="Footer Placeholder 4">
+            <a:extLst>
+              <a:ext uri="{FF2B5EF4-FFF2-40B4-BE49-F238E27FC236}">
+                <a16:creationId xmlns:a16="http://schemas.microsoft.com/office/drawing/2014/main" id="{7661973B-A517-F1E4-AAA1-6016F0B5820B}"/>
+              </a:ext>
+            </a:extLst>
+          </p:cNvPr>
+          <p:cNvSpPr>
+            <a:spLocks noGrp="1"/>
+          </p:cNvSpPr>
+          <p:nvPr>
+            <p:ph type="ftr" sz="quarter" idx="3"/>
+          </p:nvPr>
+        </p:nvSpPr>
+        <p:spPr/>
+        <p:txBody>
+          <a:bodyPr/>
+          <a:lstStyle/>
+          <a:p>
+            <a:r>
+              <a:rPr lang="de-DE"/>
+              <a:t>Titel oder Vortragender</a:t>
+            </a:r>
+            <a:endParaRPr lang="de-DE" dirty="0"/>
+          </a:p>
+        </p:txBody>
+      </p:sp>
+      <p:sp>
+        <p:nvSpPr>
+          <p:cNvPr id="6" name="Slide Number Placeholder 5">
+            <a:extLst>
+              <a:ext uri="{FF2B5EF4-FFF2-40B4-BE49-F238E27FC236}">
+                <a16:creationId xmlns:a16="http://schemas.microsoft.com/office/drawing/2014/main" id="{4A38D419-8500-01A3-20B7-FCC8F69CAF23}"/>
+              </a:ext>
+            </a:extLst>
+          </p:cNvPr>
+          <p:cNvSpPr>
+            <a:spLocks noGrp="1"/>
+          </p:cNvSpPr>
+          <p:nvPr>
+            <p:ph type="sldNum" sz="quarter" idx="4"/>
+          </p:nvPr>
+        </p:nvSpPr>
+        <p:spPr/>
+        <p:txBody>
+          <a:bodyPr/>
+          <a:lstStyle/>
+          <a:p>
+            <a:r>
+              <a:rPr lang="de-DE"/>
+              <a:t>Seite </a:t>
+            </a:r>
+            <a:fld id="{EBA229B5-7CFD-BC45-B1DD-7E8FA6FF2A01}" type="slidenum">
+              <a:rPr lang="de-DE" smtClean="0"/>
+              <a:pPr/>
+              <a:t>8</a:t>
+            </a:fld>
+            <a:endParaRPr lang="de-DE" dirty="0"/>
+          </a:p>
+        </p:txBody>
+      </p:sp>
+      <p:sp>
+        <p:nvSpPr>
+          <p:cNvPr id="7" name="Date Placeholder 6">
+            <a:extLst>
+              <a:ext uri="{FF2B5EF4-FFF2-40B4-BE49-F238E27FC236}">
+                <a16:creationId xmlns:a16="http://schemas.microsoft.com/office/drawing/2014/main" id="{81525F95-AB83-0D31-C5C8-B875FB1BF070}"/>
+              </a:ext>
+            </a:extLst>
+          </p:cNvPr>
+          <p:cNvSpPr>
+            <a:spLocks noGrp="1"/>
+          </p:cNvSpPr>
+          <p:nvPr>
+            <p:ph type="dt" sz="half" idx="2"/>
+          </p:nvPr>
+        </p:nvSpPr>
+        <p:spPr/>
+        <p:txBody>
+          <a:bodyPr/>
+          <a:lstStyle/>
+          <a:p>
+            <a:fld id="{7C3CDC0F-71BF-B840-812C-9588125E0BFE}" type="datetime6">
+              <a:rPr lang="de-DE" smtClean="0"/>
+              <a:pPr/>
+              <a:t>November 23</a:t>
+            </a:fld>
+            <a:endParaRPr lang="en-US" dirty="0"/>
+          </a:p>
+        </p:txBody>
+      </p:sp>
       <p:pic>
         <p:nvPicPr>
-          <p:cNvPr id="3" name="Grafik 2">
-            <a:extLst>
-              <a:ext uri="{FF2B5EF4-FFF2-40B4-BE49-F238E27FC236}">
-                <a16:creationId xmlns:a16="http://schemas.microsoft.com/office/drawing/2014/main" id="{3711D89E-E6C8-955A-36C2-735A5787F660}"/>
+          <p:cNvPr id="8" name="Picture 7">
+            <a:extLst>
+              <a:ext uri="{FF2B5EF4-FFF2-40B4-BE49-F238E27FC236}">
+                <a16:creationId xmlns:a16="http://schemas.microsoft.com/office/drawing/2014/main" id="{80FEB625-D3B5-9993-925A-FB03C9556DC0}"/>
               </a:ext>
             </a:extLst>
           </p:cNvPr>
@@ -5887,8 +6967,38 @@
         </p:blipFill>
         <p:spPr>
           <a:xfrm>
-            <a:off x="-1" y="0"/>
-            <a:ext cx="12274475" cy="6904392"/>
+            <a:off x="6282000" y="391223"/>
+            <a:ext cx="5413186" cy="3158408"/>
+          </a:xfrm>
+          <a:prstGeom prst="rect">
+            <a:avLst/>
+          </a:prstGeom>
+        </p:spPr>
+      </p:pic>
+      <p:pic>
+        <p:nvPicPr>
+          <p:cNvPr id="9" name="Picture 8">
+            <a:extLst>
+              <a:ext uri="{FF2B5EF4-FFF2-40B4-BE49-F238E27FC236}">
+                <a16:creationId xmlns:a16="http://schemas.microsoft.com/office/drawing/2014/main" id="{E79B2D86-43D6-ED38-A4B0-0DA460679387}"/>
+              </a:ext>
+            </a:extLst>
+          </p:cNvPr>
+          <p:cNvPicPr>
+            <a:picLocks noChangeAspect="1"/>
+          </p:cNvPicPr>
+          <p:nvPr/>
+        </p:nvPicPr>
+        <p:blipFill>
+          <a:blip r:embed="rId3"/>
+          <a:stretch>
+            <a:fillRect/>
+          </a:stretch>
+        </p:blipFill>
+        <p:spPr>
+          <a:xfrm>
+            <a:off x="6282000" y="3812888"/>
+            <a:ext cx="5419715" cy="2382883"/>
           </a:xfrm>
           <a:prstGeom prst="rect">
             <a:avLst/>
@@ -5898,7 +7008,744 @@
     </p:spTree>
     <p:extLst>
       <p:ext uri="{BB962C8B-B14F-4D97-AF65-F5344CB8AC3E}">
-        <p14:creationId xmlns:p14="http://schemas.microsoft.com/office/powerpoint/2010/main" val="3670960750"/>
+        <p14:creationId xmlns:p14="http://schemas.microsoft.com/office/powerpoint/2010/main" val="3528482668"/>
+      </p:ext>
+    </p:extLst>
+  </p:cSld>
+  <p:clrMapOvr>
+    <a:masterClrMapping/>
+  </p:clrMapOvr>
+</p:sld>
+</file>
+
+<file path=ppt/slides/slide9.xml><?xml version="1.0" encoding="utf-8"?>
+<p:sld xmlns:a="http://schemas.openxmlformats.org/drawingml/2006/main" xmlns:r="http://schemas.openxmlformats.org/officeDocument/2006/relationships" xmlns:p="http://schemas.openxmlformats.org/presentationml/2006/main">
+  <p:cSld>
+    <p:spTree>
+      <p:nvGrpSpPr>
+        <p:cNvPr id="1" name=""/>
+        <p:cNvGrpSpPr/>
+        <p:nvPr/>
+      </p:nvGrpSpPr>
+      <p:grpSpPr>
+        <a:xfrm>
+          <a:off x="0" y="0"/>
+          <a:ext cx="0" cy="0"/>
+          <a:chOff x="0" y="0"/>
+          <a:chExt cx="0" cy="0"/>
+        </a:xfrm>
+      </p:grpSpPr>
+      <p:sp>
+        <p:nvSpPr>
+          <p:cNvPr id="3" name="Content Placeholder 2">
+            <a:extLst>
+              <a:ext uri="{FF2B5EF4-FFF2-40B4-BE49-F238E27FC236}">
+                <a16:creationId xmlns:a16="http://schemas.microsoft.com/office/drawing/2014/main" id="{9E2B5A80-EA62-E05A-81A9-CF9E4119D82E}"/>
+              </a:ext>
+            </a:extLst>
+          </p:cNvPr>
+          <p:cNvSpPr>
+            <a:spLocks noGrp="1"/>
+          </p:cNvSpPr>
+          <p:nvPr>
+            <p:ph idx="1"/>
+          </p:nvPr>
+        </p:nvSpPr>
+        <p:spPr/>
+        <p:txBody>
+          <a:bodyPr/>
+          <a:lstStyle/>
+          <a:p>
+            <a:r>
+              <a:rPr lang="en-AT" dirty="0"/>
+              <a:t>Dataset: IMDB Top 1000 Films Dataset</a:t>
+            </a:r>
+          </a:p>
+          <a:p>
+            <a:r>
+              <a:rPr lang="en-AT" dirty="0"/>
+              <a:t>16 rows, 1000 columns</a:t>
+            </a:r>
+          </a:p>
+          <a:p>
+            <a:r>
+              <a:rPr lang="en-GB" dirty="0" err="1"/>
+              <a:t>Poster_Link</a:t>
+            </a:r>
+            <a:r>
+              <a:rPr lang="en-GB" dirty="0"/>
+              <a:t>, </a:t>
+            </a:r>
+            <a:r>
+              <a:rPr lang="en-GB" dirty="0" err="1"/>
+              <a:t>Series_Title</a:t>
+            </a:r>
+            <a:r>
+              <a:rPr lang="en-GB" dirty="0"/>
+              <a:t>, </a:t>
+            </a:r>
+            <a:r>
+              <a:rPr lang="en-GB" dirty="0" err="1"/>
+              <a:t>Released_Year</a:t>
+            </a:r>
+            <a:r>
+              <a:rPr lang="en-GB" dirty="0"/>
+              <a:t>, Certificate, Runtime, Genre, </a:t>
+            </a:r>
+            <a:r>
+              <a:rPr lang="en-GB" dirty="0" err="1"/>
+              <a:t>IMDB_Rating</a:t>
+            </a:r>
+            <a:r>
+              <a:rPr lang="en-GB" dirty="0"/>
+              <a:t>, Overview, </a:t>
+            </a:r>
+            <a:r>
+              <a:rPr lang="en-GB" dirty="0" err="1"/>
+              <a:t>Meta_score</a:t>
+            </a:r>
+            <a:r>
+              <a:rPr lang="en-GB" dirty="0"/>
+              <a:t>, Director, Star1, Star2, Star3, Star4, </a:t>
+            </a:r>
+            <a:r>
+              <a:rPr lang="en-GB" dirty="0" err="1"/>
+              <a:t>No_of_Votes</a:t>
+            </a:r>
+            <a:r>
+              <a:rPr lang="en-GB" dirty="0"/>
+              <a:t>, Gross</a:t>
+            </a:r>
+          </a:p>
+          <a:p>
+            <a:endParaRPr lang="en-GB" dirty="0"/>
+          </a:p>
+          <a:p>
+            <a:pPr marL="0" indent="0">
+              <a:buNone/>
+            </a:pPr>
+            <a:endParaRPr lang="en-GB" dirty="0">
+              <a:highlight>
+                <a:srgbClr val="4C4D4C"/>
+              </a:highlight>
+            </a:endParaRPr>
+          </a:p>
+          <a:p>
+            <a:pPr marL="0" indent="0">
+              <a:buNone/>
+            </a:pPr>
+            <a:r>
+              <a:rPr lang="en-GB" b="0" dirty="0" err="1">
+                <a:solidFill>
+                  <a:srgbClr val="CCCCCC"/>
+                </a:solidFill>
+                <a:effectLst/>
+                <a:highlight>
+                  <a:srgbClr val="4C4D4C"/>
+                </a:highlight>
+                <a:latin typeface="Menlo" panose="020B0609030804020204" pitchFamily="49" charset="0"/>
+              </a:rPr>
+              <a:t>Poster_Link</a:t>
+            </a:r>
+            <a:r>
+              <a:rPr lang="en-GB" b="0" dirty="0">
+                <a:solidFill>
+                  <a:srgbClr val="CCCCCC"/>
+                </a:solidFill>
+                <a:effectLst/>
+                <a:highlight>
+                  <a:srgbClr val="4C4D4C"/>
+                </a:highlight>
+                <a:latin typeface="Menlo" panose="020B0609030804020204" pitchFamily="49" charset="0"/>
+              </a:rPr>
+              <a:t> ,</a:t>
+            </a:r>
+            <a:r>
+              <a:rPr lang="en-GB" b="0" dirty="0" err="1">
+                <a:solidFill>
+                  <a:srgbClr val="569CD6"/>
+                </a:solidFill>
+                <a:effectLst/>
+                <a:highlight>
+                  <a:srgbClr val="4C4D4C"/>
+                </a:highlight>
+                <a:latin typeface="Menlo" panose="020B0609030804020204" pitchFamily="49" charset="0"/>
+              </a:rPr>
+              <a:t>Series_Title</a:t>
+            </a:r>
+            <a:r>
+              <a:rPr lang="en-GB" b="0" dirty="0">
+                <a:solidFill>
+                  <a:srgbClr val="569CD6"/>
+                </a:solidFill>
+                <a:effectLst/>
+                <a:highlight>
+                  <a:srgbClr val="4C4D4C"/>
+                </a:highlight>
+                <a:latin typeface="Menlo" panose="020B0609030804020204" pitchFamily="49" charset="0"/>
+              </a:rPr>
+              <a:t> ,</a:t>
+            </a:r>
+            <a:r>
+              <a:rPr lang="en-GB" b="0" dirty="0" err="1">
+                <a:solidFill>
+                  <a:srgbClr val="DCDCAA"/>
+                </a:solidFill>
+                <a:effectLst/>
+                <a:highlight>
+                  <a:srgbClr val="4C4D4C"/>
+                </a:highlight>
+                <a:latin typeface="Menlo" panose="020B0609030804020204" pitchFamily="49" charset="0"/>
+              </a:rPr>
+              <a:t>Released_Year</a:t>
+            </a:r>
+            <a:r>
+              <a:rPr lang="en-GB" b="0" dirty="0">
+                <a:solidFill>
+                  <a:srgbClr val="DCDCAA"/>
+                </a:solidFill>
+                <a:effectLst/>
+                <a:highlight>
+                  <a:srgbClr val="4C4D4C"/>
+                </a:highlight>
+                <a:latin typeface="Menlo" panose="020B0609030804020204" pitchFamily="49" charset="0"/>
+              </a:rPr>
+              <a:t> ,</a:t>
+            </a:r>
+            <a:r>
+              <a:rPr lang="en-GB" b="0" dirty="0">
+                <a:solidFill>
+                  <a:srgbClr val="6A9955"/>
+                </a:solidFill>
+                <a:effectLst/>
+                <a:highlight>
+                  <a:srgbClr val="4C4D4C"/>
+                </a:highlight>
+                <a:latin typeface="Menlo" panose="020B0609030804020204" pitchFamily="49" charset="0"/>
+              </a:rPr>
+              <a:t>Certificate ,</a:t>
+            </a:r>
+            <a:r>
+              <a:rPr lang="en-GB" b="0" dirty="0">
+                <a:solidFill>
+                  <a:srgbClr val="CE9178"/>
+                </a:solidFill>
+                <a:effectLst/>
+                <a:highlight>
+                  <a:srgbClr val="4C4D4C"/>
+                </a:highlight>
+                <a:latin typeface="Menlo" panose="020B0609030804020204" pitchFamily="49" charset="0"/>
+              </a:rPr>
+              <a:t>Runtime ,</a:t>
+            </a:r>
+            <a:r>
+              <a:rPr lang="en-GB" b="0" dirty="0">
+                <a:solidFill>
+                  <a:srgbClr val="9CDCFE"/>
+                </a:solidFill>
+                <a:effectLst/>
+                <a:highlight>
+                  <a:srgbClr val="4C4D4C"/>
+                </a:highlight>
+                <a:latin typeface="Menlo" panose="020B0609030804020204" pitchFamily="49" charset="0"/>
+              </a:rPr>
+              <a:t>Genre ,</a:t>
+            </a:r>
+            <a:r>
+              <a:rPr lang="en-GB" b="0" dirty="0" err="1">
+                <a:solidFill>
+                  <a:srgbClr val="B5CEA8"/>
+                </a:solidFill>
+                <a:effectLst/>
+                <a:highlight>
+                  <a:srgbClr val="4C4D4C"/>
+                </a:highlight>
+                <a:latin typeface="Menlo" panose="020B0609030804020204" pitchFamily="49" charset="0"/>
+              </a:rPr>
+              <a:t>IMDB_Rating</a:t>
+            </a:r>
+            <a:r>
+              <a:rPr lang="en-GB" b="0" dirty="0">
+                <a:solidFill>
+                  <a:srgbClr val="B5CEA8"/>
+                </a:solidFill>
+                <a:effectLst/>
+                <a:highlight>
+                  <a:srgbClr val="4C4D4C"/>
+                </a:highlight>
+                <a:latin typeface="Menlo" panose="020B0609030804020204" pitchFamily="49" charset="0"/>
+              </a:rPr>
+              <a:t> ,</a:t>
+            </a:r>
+            <a:r>
+              <a:rPr lang="en-GB" b="0" dirty="0">
+                <a:solidFill>
+                  <a:srgbClr val="4EC9B0"/>
+                </a:solidFill>
+                <a:effectLst/>
+                <a:highlight>
+                  <a:srgbClr val="4C4D4C"/>
+                </a:highlight>
+                <a:latin typeface="Menlo" panose="020B0609030804020204" pitchFamily="49" charset="0"/>
+              </a:rPr>
+              <a:t>Overview ,</a:t>
+            </a:r>
+            <a:r>
+              <a:rPr lang="en-GB" b="1" dirty="0" err="1">
+                <a:solidFill>
+                  <a:srgbClr val="569CD6"/>
+                </a:solidFill>
+                <a:effectLst/>
+                <a:highlight>
+                  <a:srgbClr val="4C4D4C"/>
+                </a:highlight>
+                <a:latin typeface="Menlo" panose="020B0609030804020204" pitchFamily="49" charset="0"/>
+              </a:rPr>
+              <a:t>Meta_score</a:t>
+            </a:r>
+            <a:r>
+              <a:rPr lang="en-GB" b="1" dirty="0">
+                <a:solidFill>
+                  <a:srgbClr val="569CD6"/>
+                </a:solidFill>
+                <a:effectLst/>
+                <a:highlight>
+                  <a:srgbClr val="4C4D4C"/>
+                </a:highlight>
+                <a:latin typeface="Menlo" panose="020B0609030804020204" pitchFamily="49" charset="0"/>
+              </a:rPr>
+              <a:t> ,</a:t>
+            </a:r>
+            <a:r>
+              <a:rPr lang="en-GB" b="0" dirty="0">
+                <a:solidFill>
+                  <a:srgbClr val="F44747"/>
+                </a:solidFill>
+                <a:effectLst/>
+                <a:highlight>
+                  <a:srgbClr val="4C4D4C"/>
+                </a:highlight>
+                <a:latin typeface="Menlo" panose="020B0609030804020204" pitchFamily="49" charset="0"/>
+              </a:rPr>
+              <a:t>Director ,</a:t>
+            </a:r>
+            <a:r>
+              <a:rPr lang="en-GB" b="0" dirty="0">
+                <a:solidFill>
+                  <a:srgbClr val="CCCCCC"/>
+                </a:solidFill>
+                <a:effectLst/>
+                <a:highlight>
+                  <a:srgbClr val="4C4D4C"/>
+                </a:highlight>
+                <a:latin typeface="Menlo" panose="020B0609030804020204" pitchFamily="49" charset="0"/>
+              </a:rPr>
+              <a:t>Star1 ,</a:t>
+            </a:r>
+            <a:r>
+              <a:rPr lang="en-GB" b="0" dirty="0">
+                <a:solidFill>
+                  <a:srgbClr val="569CD6"/>
+                </a:solidFill>
+                <a:effectLst/>
+                <a:highlight>
+                  <a:srgbClr val="4C4D4C"/>
+                </a:highlight>
+                <a:latin typeface="Menlo" panose="020B0609030804020204" pitchFamily="49" charset="0"/>
+              </a:rPr>
+              <a:t>Star2 ,</a:t>
+            </a:r>
+            <a:r>
+              <a:rPr lang="en-GB" b="0" dirty="0">
+                <a:solidFill>
+                  <a:srgbClr val="DCDCAA"/>
+                </a:solidFill>
+                <a:effectLst/>
+                <a:highlight>
+                  <a:srgbClr val="4C4D4C"/>
+                </a:highlight>
+                <a:latin typeface="Menlo" panose="020B0609030804020204" pitchFamily="49" charset="0"/>
+              </a:rPr>
+              <a:t>Star3 ,</a:t>
+            </a:r>
+            <a:r>
+              <a:rPr lang="en-GB" b="0" dirty="0">
+                <a:solidFill>
+                  <a:srgbClr val="6A9955"/>
+                </a:solidFill>
+                <a:effectLst/>
+                <a:highlight>
+                  <a:srgbClr val="4C4D4C"/>
+                </a:highlight>
+                <a:latin typeface="Menlo" panose="020B0609030804020204" pitchFamily="49" charset="0"/>
+              </a:rPr>
+              <a:t>Star4 ,</a:t>
+            </a:r>
+            <a:r>
+              <a:rPr lang="en-GB" b="0" dirty="0" err="1">
+                <a:solidFill>
+                  <a:srgbClr val="CE9178"/>
+                </a:solidFill>
+                <a:effectLst/>
+                <a:highlight>
+                  <a:srgbClr val="4C4D4C"/>
+                </a:highlight>
+                <a:latin typeface="Menlo" panose="020B0609030804020204" pitchFamily="49" charset="0"/>
+              </a:rPr>
+              <a:t>No_of_Votes</a:t>
+            </a:r>
+            <a:r>
+              <a:rPr lang="en-GB" b="0" dirty="0">
+                <a:solidFill>
+                  <a:srgbClr val="CE9178"/>
+                </a:solidFill>
+                <a:effectLst/>
+                <a:highlight>
+                  <a:srgbClr val="4C4D4C"/>
+                </a:highlight>
+                <a:latin typeface="Menlo" panose="020B0609030804020204" pitchFamily="49" charset="0"/>
+              </a:rPr>
+              <a:t> ,</a:t>
+            </a:r>
+            <a:r>
+              <a:rPr lang="en-GB" b="0" dirty="0">
+                <a:solidFill>
+                  <a:srgbClr val="9CDCFE"/>
+                </a:solidFill>
+                <a:effectLst/>
+                <a:highlight>
+                  <a:srgbClr val="4C4D4C"/>
+                </a:highlight>
+                <a:latin typeface="Menlo" panose="020B0609030804020204" pitchFamily="49" charset="0"/>
+              </a:rPr>
+              <a:t>Gross</a:t>
+            </a:r>
+            <a:endParaRPr lang="en-GB" b="0" dirty="0">
+              <a:solidFill>
+                <a:srgbClr val="CCCCCC"/>
+              </a:solidFill>
+              <a:effectLst/>
+              <a:highlight>
+                <a:srgbClr val="4C4D4C"/>
+              </a:highlight>
+              <a:latin typeface="Menlo" panose="020B0609030804020204" pitchFamily="49" charset="0"/>
+            </a:endParaRPr>
+          </a:p>
+          <a:p>
+            <a:pPr marL="0" indent="0">
+              <a:buNone/>
+            </a:pPr>
+            <a:r>
+              <a:rPr lang="en-GB" b="0" dirty="0">
+                <a:solidFill>
+                  <a:srgbClr val="CCCCCC"/>
+                </a:solidFill>
+                <a:effectLst/>
+                <a:highlight>
+                  <a:srgbClr val="4C4D4C"/>
+                </a:highlight>
+                <a:latin typeface="Menlo" panose="020B0609030804020204" pitchFamily="49" charset="0"/>
+              </a:rPr>
+              <a:t>"https://</a:t>
+            </a:r>
+            <a:r>
+              <a:rPr lang="en-GB" b="0" dirty="0" err="1">
+                <a:solidFill>
+                  <a:srgbClr val="CCCCCC"/>
+                </a:solidFill>
+                <a:effectLst/>
+                <a:highlight>
+                  <a:srgbClr val="4C4D4C"/>
+                </a:highlight>
+                <a:latin typeface="Menlo" panose="020B0609030804020204" pitchFamily="49" charset="0"/>
+              </a:rPr>
+              <a:t>m.media-amazon.com</a:t>
+            </a:r>
+            <a:r>
+              <a:rPr lang="en-GB" b="0" dirty="0">
+                <a:solidFill>
+                  <a:srgbClr val="CCCCCC"/>
+                </a:solidFill>
+                <a:effectLst/>
+                <a:highlight>
+                  <a:srgbClr val="4C4D4C"/>
+                </a:highlight>
+                <a:latin typeface="Menlo" panose="020B0609030804020204" pitchFamily="49" charset="0"/>
+              </a:rPr>
+              <a:t>/images/M/MV5BMDFkYTc0MGEtZmNhMC00ZDIzLWFmNTEtODM1ZmRlYWMwMWFmXkEyXkFqcGdeQXVyMTMxODk2OTU@._V1_UX67_CR0,0,67,98_AL_.jpg" ,</a:t>
+            </a:r>
+            <a:r>
+              <a:rPr lang="en-GB" b="0" dirty="0">
+                <a:solidFill>
+                  <a:srgbClr val="569CD6"/>
+                </a:solidFill>
+                <a:effectLst/>
+                <a:highlight>
+                  <a:srgbClr val="4C4D4C"/>
+                </a:highlight>
+                <a:latin typeface="Menlo" panose="020B0609030804020204" pitchFamily="49" charset="0"/>
+              </a:rPr>
+              <a:t>The Shawshank Redemption ,</a:t>
+            </a:r>
+            <a:r>
+              <a:rPr lang="en-GB" b="0" dirty="0">
+                <a:solidFill>
+                  <a:srgbClr val="DCDCAA"/>
+                </a:solidFill>
+                <a:effectLst/>
+                <a:highlight>
+                  <a:srgbClr val="4C4D4C"/>
+                </a:highlight>
+                <a:latin typeface="Menlo" panose="020B0609030804020204" pitchFamily="49" charset="0"/>
+              </a:rPr>
+              <a:t>1994 ,</a:t>
+            </a:r>
+            <a:r>
+              <a:rPr lang="en-GB" b="0" dirty="0">
+                <a:solidFill>
+                  <a:srgbClr val="6A9955"/>
+                </a:solidFill>
+                <a:effectLst/>
+                <a:highlight>
+                  <a:srgbClr val="4C4D4C"/>
+                </a:highlight>
+                <a:latin typeface="Menlo" panose="020B0609030804020204" pitchFamily="49" charset="0"/>
+              </a:rPr>
+              <a:t>A ,</a:t>
+            </a:r>
+            <a:r>
+              <a:rPr lang="en-GB" b="0" dirty="0">
+                <a:solidFill>
+                  <a:srgbClr val="CE9178"/>
+                </a:solidFill>
+                <a:effectLst/>
+                <a:highlight>
+                  <a:srgbClr val="4C4D4C"/>
+                </a:highlight>
+                <a:latin typeface="Menlo" panose="020B0609030804020204" pitchFamily="49" charset="0"/>
+              </a:rPr>
+              <a:t>142 min ,</a:t>
+            </a:r>
+            <a:r>
+              <a:rPr lang="en-GB" b="0" dirty="0">
+                <a:solidFill>
+                  <a:srgbClr val="9CDCFE"/>
+                </a:solidFill>
+                <a:effectLst/>
+                <a:highlight>
+                  <a:srgbClr val="4C4D4C"/>
+                </a:highlight>
+                <a:latin typeface="Menlo" panose="020B0609030804020204" pitchFamily="49" charset="0"/>
+              </a:rPr>
+              <a:t>Drama ,</a:t>
+            </a:r>
+            <a:r>
+              <a:rPr lang="en-GB" b="0" dirty="0">
+                <a:solidFill>
+                  <a:srgbClr val="B5CEA8"/>
+                </a:solidFill>
+                <a:effectLst/>
+                <a:highlight>
+                  <a:srgbClr val="4C4D4C"/>
+                </a:highlight>
+                <a:latin typeface="Menlo" panose="020B0609030804020204" pitchFamily="49" charset="0"/>
+              </a:rPr>
+              <a:t> 9.3 ,</a:t>
+            </a:r>
+            <a:r>
+              <a:rPr lang="en-GB" b="0" dirty="0">
+                <a:solidFill>
+                  <a:srgbClr val="4EC9B0"/>
+                </a:solidFill>
+                <a:effectLst/>
+                <a:highlight>
+                  <a:srgbClr val="4C4D4C"/>
+                </a:highlight>
+                <a:latin typeface="Menlo" panose="020B0609030804020204" pitchFamily="49" charset="0"/>
+              </a:rPr>
+              <a:t>"Two imprisoned men bond over a number of years, finding solace and eventual redemption through acts of common decency." ,</a:t>
+            </a:r>
+            <a:r>
+              <a:rPr lang="en-GB" b="1" dirty="0">
+                <a:solidFill>
+                  <a:srgbClr val="569CD6"/>
+                </a:solidFill>
+                <a:effectLst/>
+                <a:highlight>
+                  <a:srgbClr val="4C4D4C"/>
+                </a:highlight>
+                <a:latin typeface="Menlo" panose="020B0609030804020204" pitchFamily="49" charset="0"/>
+              </a:rPr>
+              <a:t> 80 ,</a:t>
+            </a:r>
+            <a:r>
+              <a:rPr lang="en-GB" b="0" dirty="0">
+                <a:solidFill>
+                  <a:srgbClr val="F44747"/>
+                </a:solidFill>
+                <a:effectLst/>
+                <a:highlight>
+                  <a:srgbClr val="4C4D4C"/>
+                </a:highlight>
+                <a:latin typeface="Menlo" panose="020B0609030804020204" pitchFamily="49" charset="0"/>
+              </a:rPr>
+              <a:t>Frank Darabont ,</a:t>
+            </a:r>
+            <a:r>
+              <a:rPr lang="en-GB" b="0" dirty="0">
+                <a:solidFill>
+                  <a:srgbClr val="CCCCCC"/>
+                </a:solidFill>
+                <a:effectLst/>
+                <a:highlight>
+                  <a:srgbClr val="4C4D4C"/>
+                </a:highlight>
+                <a:latin typeface="Menlo" panose="020B0609030804020204" pitchFamily="49" charset="0"/>
+              </a:rPr>
+              <a:t>Tim Robbins ,</a:t>
+            </a:r>
+            <a:r>
+              <a:rPr lang="en-GB" b="0" dirty="0">
+                <a:solidFill>
+                  <a:srgbClr val="569CD6"/>
+                </a:solidFill>
+                <a:effectLst/>
+                <a:highlight>
+                  <a:srgbClr val="4C4D4C"/>
+                </a:highlight>
+                <a:latin typeface="Menlo" panose="020B0609030804020204" pitchFamily="49" charset="0"/>
+              </a:rPr>
+              <a:t>Morgan Freeman ,</a:t>
+            </a:r>
+            <a:r>
+              <a:rPr lang="en-GB" b="0" dirty="0">
+                <a:solidFill>
+                  <a:srgbClr val="DCDCAA"/>
+                </a:solidFill>
+                <a:effectLst/>
+                <a:highlight>
+                  <a:srgbClr val="4C4D4C"/>
+                </a:highlight>
+                <a:latin typeface="Menlo" panose="020B0609030804020204" pitchFamily="49" charset="0"/>
+              </a:rPr>
+              <a:t>Bob </a:t>
+            </a:r>
+            <a:r>
+              <a:rPr lang="en-GB" b="0" dirty="0" err="1">
+                <a:solidFill>
+                  <a:srgbClr val="DCDCAA"/>
+                </a:solidFill>
+                <a:effectLst/>
+                <a:highlight>
+                  <a:srgbClr val="4C4D4C"/>
+                </a:highlight>
+                <a:latin typeface="Menlo" panose="020B0609030804020204" pitchFamily="49" charset="0"/>
+              </a:rPr>
+              <a:t>Gunton</a:t>
+            </a:r>
+            <a:r>
+              <a:rPr lang="en-GB" b="0" dirty="0">
+                <a:solidFill>
+                  <a:srgbClr val="DCDCAA"/>
+                </a:solidFill>
+                <a:effectLst/>
+                <a:highlight>
+                  <a:srgbClr val="4C4D4C"/>
+                </a:highlight>
+                <a:latin typeface="Menlo" panose="020B0609030804020204" pitchFamily="49" charset="0"/>
+              </a:rPr>
+              <a:t> ,</a:t>
+            </a:r>
+            <a:r>
+              <a:rPr lang="en-GB" b="0" dirty="0">
+                <a:solidFill>
+                  <a:srgbClr val="6A9955"/>
+                </a:solidFill>
+                <a:effectLst/>
+                <a:highlight>
+                  <a:srgbClr val="4C4D4C"/>
+                </a:highlight>
+                <a:latin typeface="Menlo" panose="020B0609030804020204" pitchFamily="49" charset="0"/>
+              </a:rPr>
+              <a:t>William Sadler ,</a:t>
+            </a:r>
+            <a:r>
+              <a:rPr lang="en-GB" b="0" dirty="0">
+                <a:solidFill>
+                  <a:srgbClr val="CE9178"/>
+                </a:solidFill>
+                <a:effectLst/>
+                <a:highlight>
+                  <a:srgbClr val="4C4D4C"/>
+                </a:highlight>
+                <a:latin typeface="Menlo" panose="020B0609030804020204" pitchFamily="49" charset="0"/>
+              </a:rPr>
+              <a:t> 2343110 ,</a:t>
+            </a:r>
+            <a:r>
+              <a:rPr lang="en-GB" b="0" dirty="0">
+                <a:solidFill>
+                  <a:srgbClr val="9CDCFE"/>
+                </a:solidFill>
+                <a:effectLst/>
+                <a:highlight>
+                  <a:srgbClr val="4C4D4C"/>
+                </a:highlight>
+                <a:latin typeface="Menlo" panose="020B0609030804020204" pitchFamily="49" charset="0"/>
+              </a:rPr>
+              <a:t>"28,341,469"</a:t>
+            </a:r>
+            <a:endParaRPr lang="en-GB" b="0" dirty="0">
+              <a:solidFill>
+                <a:srgbClr val="CCCCCC"/>
+              </a:solidFill>
+              <a:effectLst/>
+              <a:highlight>
+                <a:srgbClr val="4C4D4C"/>
+              </a:highlight>
+              <a:latin typeface="Menlo" panose="020B0609030804020204" pitchFamily="49" charset="0"/>
+            </a:endParaRPr>
+          </a:p>
+          <a:p>
+            <a:endParaRPr lang="en-GB" dirty="0"/>
+          </a:p>
+          <a:p>
+            <a:endParaRPr lang="en-AT" dirty="0"/>
+          </a:p>
+        </p:txBody>
+      </p:sp>
+      <p:sp>
+        <p:nvSpPr>
+          <p:cNvPr id="8" name="Title 7">
+            <a:extLst>
+              <a:ext uri="{FF2B5EF4-FFF2-40B4-BE49-F238E27FC236}">
+                <a16:creationId xmlns:a16="http://schemas.microsoft.com/office/drawing/2014/main" id="{18ACF4FB-8C8C-04FE-48DD-A703BCD30E88}"/>
+              </a:ext>
+            </a:extLst>
+          </p:cNvPr>
+          <p:cNvSpPr>
+            <a:spLocks noGrp="1"/>
+          </p:cNvSpPr>
+          <p:nvPr>
+            <p:ph type="ctrTitle"/>
+          </p:nvPr>
+        </p:nvSpPr>
+        <p:spPr/>
+        <p:txBody>
+          <a:bodyPr/>
+          <a:lstStyle/>
+          <a:p>
+            <a:r>
+              <a:rPr lang="en-AT" dirty="0"/>
+              <a:t>Current Progress</a:t>
+            </a:r>
+          </a:p>
+        </p:txBody>
+      </p:sp>
+    </p:spTree>
+    <p:extLst>
+      <p:ext uri="{BB962C8B-B14F-4D97-AF65-F5344CB8AC3E}">
+        <p14:creationId xmlns:p14="http://schemas.microsoft.com/office/powerpoint/2010/main" val="2526110960"/>
       </p:ext>
     </p:extLst>
   </p:cSld>
